--- a/folien/week2.pptx
+++ b/folien/week2.pptx
@@ -227,7 +227,7 @@
           <a:p>
             <a:fld id="{21C000D9-2858-4F4C-AF5C-64F79A7C2410}" type="datetimeFigureOut">
               <a:rPr lang="en-US" smtClean="0"/>
-              <a:t>4/19/2021</a:t>
+              <a:t>4/21/2021</a:t>
             </a:fld>
             <a:endParaRPr lang="en-US"/>
           </a:p>
@@ -538,10 +538,6 @@
           <a:bodyPr/>
           <a:lstStyle/>
           <a:p>
-            <a:r>
-              <a:rPr lang="de-DE" dirty="0" err="1"/>
-              <a:t>selbstbestimmung</a:t>
-            </a:r>
             <a:endParaRPr lang="de-DE" dirty="0"/>
           </a:p>
         </p:txBody>
@@ -563,7 +559,7 @@
           <a:p>
             <a:fld id="{C347FAF7-5C4E-4642-B377-C3A2CDCC9DA1}" type="slidenum">
               <a:rPr lang="en-US" smtClean="0"/>
-              <a:t>4</a:t>
+              <a:t>1</a:t>
             </a:fld>
             <a:endParaRPr lang="en-US"/>
           </a:p>
@@ -572,7 +568,7 @@
     </p:spTree>
     <p:extLst>
       <p:ext uri="{BB962C8B-B14F-4D97-AF65-F5344CB8AC3E}">
-        <p14:creationId xmlns:p14="http://schemas.microsoft.com/office/powerpoint/2010/main" val="1643541494"/>
+        <p14:creationId xmlns:p14="http://schemas.microsoft.com/office/powerpoint/2010/main" val="1642328034"/>
       </p:ext>
     </p:extLst>
   </p:cSld>
@@ -627,6 +623,94 @@
           <a:lstStyle/>
           <a:p>
             <a:r>
+              <a:rPr lang="de-DE" dirty="0" err="1"/>
+              <a:t>selbstbestimmung</a:t>
+            </a:r>
+            <a:endParaRPr lang="de-DE" dirty="0"/>
+          </a:p>
+        </p:txBody>
+      </p:sp>
+      <p:sp>
+        <p:nvSpPr>
+          <p:cNvPr id="4" name="Slide Number Placeholder 3"/>
+          <p:cNvSpPr>
+            <a:spLocks noGrp="1"/>
+          </p:cNvSpPr>
+          <p:nvPr>
+            <p:ph type="sldNum" sz="quarter" idx="5"/>
+          </p:nvPr>
+        </p:nvSpPr>
+        <p:spPr/>
+        <p:txBody>
+          <a:bodyPr/>
+          <a:lstStyle/>
+          <a:p>
+            <a:fld id="{C347FAF7-5C4E-4642-B377-C3A2CDCC9DA1}" type="slidenum">
+              <a:rPr lang="en-US" smtClean="0"/>
+              <a:t>4</a:t>
+            </a:fld>
+            <a:endParaRPr lang="en-US"/>
+          </a:p>
+        </p:txBody>
+      </p:sp>
+    </p:spTree>
+    <p:extLst>
+      <p:ext uri="{BB962C8B-B14F-4D97-AF65-F5344CB8AC3E}">
+        <p14:creationId xmlns:p14="http://schemas.microsoft.com/office/powerpoint/2010/main" val="1643541494"/>
+      </p:ext>
+    </p:extLst>
+  </p:cSld>
+  <p:clrMapOvr>
+    <a:masterClrMapping/>
+  </p:clrMapOvr>
+</p:notes>
+</file>
+
+<file path=ppt/notesSlides/notesSlide3.xml><?xml version="1.0" encoding="utf-8"?>
+<p:notes xmlns:a="http://schemas.openxmlformats.org/drawingml/2006/main" xmlns:r="http://schemas.openxmlformats.org/officeDocument/2006/relationships" xmlns:p="http://schemas.openxmlformats.org/presentationml/2006/main">
+  <p:cSld>
+    <p:spTree>
+      <p:nvGrpSpPr>
+        <p:cNvPr id="1" name=""/>
+        <p:cNvGrpSpPr/>
+        <p:nvPr/>
+      </p:nvGrpSpPr>
+      <p:grpSpPr>
+        <a:xfrm>
+          <a:off x="0" y="0"/>
+          <a:ext cx="0" cy="0"/>
+          <a:chOff x="0" y="0"/>
+          <a:chExt cx="0" cy="0"/>
+        </a:xfrm>
+      </p:grpSpPr>
+      <p:sp>
+        <p:nvSpPr>
+          <p:cNvPr id="2" name="Slide Image Placeholder 1"/>
+          <p:cNvSpPr>
+            <a:spLocks noGrp="1" noRot="1" noChangeAspect="1"/>
+          </p:cNvSpPr>
+          <p:nvPr>
+            <p:ph type="sldImg"/>
+          </p:nvPr>
+        </p:nvSpPr>
+        <p:spPr/>
+      </p:sp>
+      <p:sp>
+        <p:nvSpPr>
+          <p:cNvPr id="3" name="Notes Placeholder 2"/>
+          <p:cNvSpPr>
+            <a:spLocks noGrp="1"/>
+          </p:cNvSpPr>
+          <p:nvPr>
+            <p:ph type="body" idx="1"/>
+          </p:nvPr>
+        </p:nvSpPr>
+        <p:spPr/>
+        <p:txBody>
+          <a:bodyPr/>
+          <a:lstStyle/>
+          <a:p>
+            <a:r>
               <a:rPr lang="de-DE" dirty="0"/>
               <a:t>1 Transformation / </a:t>
             </a:r>
@@ -777,7 +861,7 @@
 </p:notes>
 </file>
 
-<file path=ppt/notesSlides/notesSlide3.xml><?xml version="1.0" encoding="utf-8"?>
+<file path=ppt/notesSlides/notesSlide4.xml><?xml version="1.0" encoding="utf-8"?>
 <p:notes xmlns:a="http://schemas.openxmlformats.org/drawingml/2006/main" xmlns:r="http://schemas.openxmlformats.org/officeDocument/2006/relationships" xmlns:p="http://schemas.openxmlformats.org/presentationml/2006/main">
   <p:cSld>
     <p:spTree>
@@ -3569,7 +3653,7 @@
           <a:p>
             <a:r>
               <a:rPr lang="de-DE" dirty="0"/>
-              <a:t>Nachhaltiges lernen</a:t>
+              <a:t>Lernen: was ist nachhaltig? </a:t>
             </a:r>
           </a:p>
         </p:txBody>
@@ -3648,12 +3732,8 @@
           <a:p>
             <a:pPr lvl="1"/>
             <a:r>
-              <a:rPr lang="de-DE" sz="1400" dirty="0" err="1"/>
-              <a:t>Dispositionell</a:t>
-            </a:r>
-            <a:r>
               <a:rPr lang="de-DE" sz="1400" dirty="0"/>
-              <a:t> vs. manifest</a:t>
+              <a:t>Dispositionell vs. manifest</a:t>
             </a:r>
           </a:p>
           <a:p>

--- a/folien/week2.pptx
+++ b/folien/week2.pptx
@@ -4178,8 +4178,8 @@
               <a:t>: </a:t>
             </a:r>
             <a:r>
-              <a:rPr lang="de-DE" sz="1800" dirty="0"/>
-              <a:t>Historische Perspektiven auf die Allgemeine Didaktik (Comenius)</a:t>
+              <a:rPr lang="de-DE" sz="1800"/>
+              <a:t>Bildung</a:t>
             </a:r>
             <a:br>
               <a:rPr lang="de-DE" sz="1800" dirty="0"/>

--- a/folien/week2.pptx
+++ b/folien/week2.pptx
@@ -5,15 +5,16 @@
     <p:sldMasterId id="2147483664" r:id="rId1"/>
   </p:sldMasterIdLst>
   <p:notesMasterIdLst>
-    <p:notesMasterId r:id="rId8"/>
+    <p:notesMasterId r:id="rId9"/>
   </p:notesMasterIdLst>
   <p:sldIdLst>
     <p:sldId id="257" r:id="rId2"/>
     <p:sldId id="283" r:id="rId3"/>
     <p:sldId id="259" r:id="rId4"/>
-    <p:sldId id="284" r:id="rId5"/>
-    <p:sldId id="285" r:id="rId6"/>
-    <p:sldId id="270" r:id="rId7"/>
+    <p:sldId id="286" r:id="rId5"/>
+    <p:sldId id="284" r:id="rId6"/>
+    <p:sldId id="285" r:id="rId7"/>
+    <p:sldId id="270" r:id="rId8"/>
   </p:sldIdLst>
   <p:sldSz cx="9144000" cy="5143500" type="screen16x9"/>
   <p:notesSz cx="6858000" cy="9144000"/>
@@ -120,6 +121,7 @@
             <p14:sldId id="257"/>
             <p14:sldId id="283"/>
             <p14:sldId id="259"/>
+            <p14:sldId id="286"/>
             <p14:sldId id="284"/>
             <p14:sldId id="285"/>
             <p14:sldId id="270"/>
@@ -227,7 +229,7 @@
           <a:p>
             <a:fld id="{21C000D9-2858-4F4C-AF5C-64F79A7C2410}" type="datetimeFigureOut">
               <a:rPr lang="en-US" smtClean="0"/>
-              <a:t>4/21/2021</a:t>
+              <a:t>4/27/2021</a:t>
             </a:fld>
             <a:endParaRPr lang="en-US"/>
           </a:p>
@@ -647,7 +649,7 @@
           <a:p>
             <a:fld id="{C347FAF7-5C4E-4642-B377-C3A2CDCC9DA1}" type="slidenum">
               <a:rPr lang="en-US" smtClean="0"/>
-              <a:t>4</a:t>
+              <a:t>5</a:t>
             </a:fld>
             <a:endParaRPr lang="en-US"/>
           </a:p>
@@ -842,7 +844,7 @@
           <a:p>
             <a:fld id="{C347FAF7-5C4E-4642-B377-C3A2CDCC9DA1}" type="slidenum">
               <a:rPr lang="en-US" smtClean="0"/>
-              <a:t>5</a:t>
+              <a:t>6</a:t>
             </a:fld>
             <a:endParaRPr lang="en-US"/>
           </a:p>
@@ -926,7 +928,7 @@
           <a:p>
             <a:fld id="{C347FAF7-5C4E-4642-B377-C3A2CDCC9DA1}" type="slidenum">
               <a:rPr lang="en-US" smtClean="0"/>
-              <a:t>6</a:t>
+              <a:t>7</a:t>
             </a:fld>
             <a:endParaRPr lang="en-US"/>
           </a:p>
@@ -3899,6 +3901,105 @@
           <a:chExt cx="0" cy="0"/>
         </a:xfrm>
       </p:grpSpPr>
+      <p:sp>
+        <p:nvSpPr>
+          <p:cNvPr id="2" name="Title 1">
+            <a:extLst>
+              <a:ext uri="{FF2B5EF4-FFF2-40B4-BE49-F238E27FC236}">
+                <a16:creationId xmlns:a16="http://schemas.microsoft.com/office/drawing/2014/main" id="{4E3F3402-6E1A-447B-A6B1-3D553FCF5C45}"/>
+              </a:ext>
+            </a:extLst>
+          </p:cNvPr>
+          <p:cNvSpPr>
+            <a:spLocks noGrp="1"/>
+          </p:cNvSpPr>
+          <p:nvPr>
+            <p:ph type="title"/>
+          </p:nvPr>
+        </p:nvSpPr>
+        <p:spPr/>
+        <p:txBody>
+          <a:bodyPr/>
+          <a:lstStyle/>
+          <a:p>
+            <a:r>
+              <a:rPr lang="de-DE" dirty="0"/>
+              <a:t>Ziele der heutigen Sitzung</a:t>
+            </a:r>
+            <a:endParaRPr lang="en-US" dirty="0"/>
+          </a:p>
+        </p:txBody>
+      </p:sp>
+      <p:sp>
+        <p:nvSpPr>
+          <p:cNvPr id="3" name="Text Placeholder 2">
+            <a:extLst>
+              <a:ext uri="{FF2B5EF4-FFF2-40B4-BE49-F238E27FC236}">
+                <a16:creationId xmlns:a16="http://schemas.microsoft.com/office/drawing/2014/main" id="{C4370FF5-5284-4B2C-9F6B-C076FA0221E1}"/>
+              </a:ext>
+            </a:extLst>
+          </p:cNvPr>
+          <p:cNvSpPr>
+            <a:spLocks noGrp="1"/>
+          </p:cNvSpPr>
+          <p:nvPr>
+            <p:ph type="body" sz="quarter" idx="10"/>
+          </p:nvPr>
+        </p:nvSpPr>
+        <p:spPr/>
+        <p:txBody>
+          <a:bodyPr/>
+          <a:lstStyle/>
+          <a:p>
+            <a:r>
+              <a:rPr lang="de-DE" sz="1800" dirty="0"/>
+              <a:t>Sie haben einen Überblick über Historische Perspektiven auf die Allgemeine Didaktik und können die Relevanz für den Gegenwert einordnen.</a:t>
+            </a:r>
+          </a:p>
+          <a:p>
+            <a:r>
+              <a:rPr lang="de-DE" sz="1800" dirty="0"/>
+              <a:t>Syllabus aufklären </a:t>
+            </a:r>
+          </a:p>
+          <a:p>
+            <a:endParaRPr lang="de-DE" sz="1800" dirty="0"/>
+          </a:p>
+          <a:p>
+            <a:endParaRPr lang="en-US" sz="1800" dirty="0"/>
+          </a:p>
+        </p:txBody>
+      </p:sp>
+    </p:spTree>
+    <p:extLst>
+      <p:ext uri="{BB962C8B-B14F-4D97-AF65-F5344CB8AC3E}">
+        <p14:creationId xmlns:p14="http://schemas.microsoft.com/office/powerpoint/2010/main" val="1173075169"/>
+      </p:ext>
+    </p:extLst>
+  </p:cSld>
+  <p:clrMapOvr>
+    <a:masterClrMapping/>
+  </p:clrMapOvr>
+</p:sld>
+</file>
+
+<file path=ppt/slides/slide5.xml><?xml version="1.0" encoding="utf-8"?>
+<p:sld xmlns:a="http://schemas.openxmlformats.org/drawingml/2006/main" xmlns:r="http://schemas.openxmlformats.org/officeDocument/2006/relationships" xmlns:p="http://schemas.openxmlformats.org/presentationml/2006/main">
+  <p:cSld>
+    <p:spTree>
+      <p:nvGrpSpPr>
+        <p:cNvPr id="1" name=""/>
+        <p:cNvGrpSpPr/>
+        <p:nvPr/>
+      </p:nvGrpSpPr>
+      <p:grpSpPr>
+        <a:xfrm>
+          <a:off x="0" y="0"/>
+          <a:ext cx="0" cy="0"/>
+          <a:chOff x="0" y="0"/>
+          <a:chExt cx="0" cy="0"/>
+        </a:xfrm>
+      </p:grpSpPr>
       <p:pic>
         <p:nvPicPr>
           <p:cNvPr id="5" name="Picture 4">
@@ -4013,7 +4114,7 @@
 </p:sld>
 </file>
 
-<file path=ppt/slides/slide5.xml><?xml version="1.0" encoding="utf-8"?>
+<file path=ppt/slides/slide6.xml><?xml version="1.0" encoding="utf-8"?>
 <p:sld xmlns:a="http://schemas.openxmlformats.org/drawingml/2006/main" xmlns:r="http://schemas.openxmlformats.org/officeDocument/2006/relationships" xmlns:p="http://schemas.openxmlformats.org/presentationml/2006/main">
   <p:cSld>
     <p:spTree>
@@ -4123,7 +4224,7 @@
 </p:sld>
 </file>
 
-<file path=ppt/slides/slide6.xml><?xml version="1.0" encoding="utf-8"?>
+<file path=ppt/slides/slide7.xml><?xml version="1.0" encoding="utf-8"?>
 <p:sld xmlns:a="http://schemas.openxmlformats.org/drawingml/2006/main" xmlns:r="http://schemas.openxmlformats.org/officeDocument/2006/relationships" xmlns:p="http://schemas.openxmlformats.org/presentationml/2006/main">
   <p:cSld>
     <p:spTree>
